--- a/linux2上课ppt第8周.pptx
+++ b/linux2上课ppt第8周.pptx
@@ -128,6 +128,11 @@
       </a:defRPr>
     </a:lvl9pPr>
   </p:defaultTextStyle>
+  <p:extLst>
+    <p:ext uri="{EFAFB233-063F-42B5-8137-9DF3F51BA10A}">
+      <p15:sldGuideLst xmlns:p15="http://schemas.microsoft.com/office/powerpoint/2012/main"/>
+    </p:ext>
+  </p:extLst>
 </p:presentation>
 </file>
 
@@ -3129,6 +3134,49 @@
           </a:prstGeom>
         </p:spPr>
       </p:pic>
+      <p:sp>
+        <p:nvSpPr>
+          <p:cNvPr id="5" name="椭圆 4"/>
+          <p:cNvSpPr/>
+          <p:nvPr/>
+        </p:nvSpPr>
+        <p:spPr>
+          <a:xfrm>
+            <a:off x="8628439" y="714703"/>
+            <a:ext cx="1493023" cy="882869"/>
+          </a:xfrm>
+          <a:prstGeom prst="ellipse">
+            <a:avLst/>
+          </a:prstGeom>
+        </p:spPr>
+        <p:style>
+          <a:lnRef idx="2">
+            <a:schemeClr val="accent1">
+              <a:shade val="50000"/>
+            </a:schemeClr>
+          </a:lnRef>
+          <a:fillRef idx="1">
+            <a:schemeClr val="accent1"/>
+          </a:fillRef>
+          <a:effectRef idx="0">
+            <a:schemeClr val="accent1"/>
+          </a:effectRef>
+          <a:fontRef idx="minor">
+            <a:schemeClr val="lt1"/>
+          </a:fontRef>
+        </p:style>
+        <p:txBody>
+          <a:bodyPr rtlCol="0" anchor="ctr"/>
+          <a:lstStyle/>
+          <a:p>
+            <a:pPr algn="ctr"/>
+            <a:r>
+              <a:rPr lang="en-US" altLang="zh-CN" sz="2800" dirty="0" smtClean="0"/>
+              <a:t>Step2</a:t>
+            </a:r>
+          </a:p>
+        </p:txBody>
+      </p:sp>
     </p:spTree>
     <p:extLst>
       <p:ext uri="{BB962C8B-B14F-4D97-AF65-F5344CB8AC3E}">
@@ -3497,6 +3545,50 @@
           </a:prstGeom>
         </p:spPr>
       </p:pic>
+      <p:sp>
+        <p:nvSpPr>
+          <p:cNvPr id="5" name="椭圆 4"/>
+          <p:cNvSpPr/>
+          <p:nvPr/>
+        </p:nvSpPr>
+        <p:spPr>
+          <a:xfrm>
+            <a:off x="9774067" y="230188"/>
+            <a:ext cx="1493023" cy="882869"/>
+          </a:xfrm>
+          <a:prstGeom prst="ellipse">
+            <a:avLst/>
+          </a:prstGeom>
+        </p:spPr>
+        <p:style>
+          <a:lnRef idx="2">
+            <a:schemeClr val="accent1">
+              <a:shade val="50000"/>
+            </a:schemeClr>
+          </a:lnRef>
+          <a:fillRef idx="1">
+            <a:schemeClr val="accent1"/>
+          </a:fillRef>
+          <a:effectRef idx="0">
+            <a:schemeClr val="accent1"/>
+          </a:effectRef>
+          <a:fontRef idx="minor">
+            <a:schemeClr val="lt1"/>
+          </a:fontRef>
+        </p:style>
+        <p:txBody>
+          <a:bodyPr rtlCol="0" anchor="ctr"/>
+          <a:lstStyle/>
+          <a:p>
+            <a:pPr algn="ctr"/>
+            <a:r>
+              <a:rPr lang="en-US" altLang="zh-CN" sz="2800" dirty="0" smtClean="0"/>
+              <a:t>Step3</a:t>
+            </a:r>
+            <a:endParaRPr lang="zh-CN" altLang="en-US" sz="2800" dirty="0"/>
+          </a:p>
+        </p:txBody>
+      </p:sp>
     </p:spTree>
     <p:extLst>
       <p:ext uri="{BB962C8B-B14F-4D97-AF65-F5344CB8AC3E}">
@@ -3991,6 +4083,50 @@
           </a:prstGeom>
         </p:spPr>
       </p:pic>
+      <p:sp>
+        <p:nvSpPr>
+          <p:cNvPr id="6" name="椭圆 5"/>
+          <p:cNvSpPr/>
+          <p:nvPr/>
+        </p:nvSpPr>
+        <p:spPr>
+          <a:xfrm>
+            <a:off x="8187005" y="365125"/>
+            <a:ext cx="1493023" cy="882869"/>
+          </a:xfrm>
+          <a:prstGeom prst="ellipse">
+            <a:avLst/>
+          </a:prstGeom>
+        </p:spPr>
+        <p:style>
+          <a:lnRef idx="2">
+            <a:schemeClr val="accent1">
+              <a:shade val="50000"/>
+            </a:schemeClr>
+          </a:lnRef>
+          <a:fillRef idx="1">
+            <a:schemeClr val="accent1"/>
+          </a:fillRef>
+          <a:effectRef idx="0">
+            <a:schemeClr val="accent1"/>
+          </a:effectRef>
+          <a:fontRef idx="minor">
+            <a:schemeClr val="lt1"/>
+          </a:fontRef>
+        </p:style>
+        <p:txBody>
+          <a:bodyPr rtlCol="0" anchor="ctr"/>
+          <a:lstStyle/>
+          <a:p>
+            <a:pPr algn="ctr"/>
+            <a:r>
+              <a:rPr lang="en-US" altLang="zh-CN" sz="2800" dirty="0" smtClean="0"/>
+              <a:t>Step4</a:t>
+            </a:r>
+            <a:endParaRPr lang="zh-CN" altLang="en-US" sz="2800" dirty="0"/>
+          </a:p>
+        </p:txBody>
+      </p:sp>
     </p:spTree>
     <p:extLst>
       <p:ext uri="{BB962C8B-B14F-4D97-AF65-F5344CB8AC3E}">
@@ -4183,7 +4319,39 @@
             </a:pPr>
             <a:r>
               <a:rPr lang="zh-CN" altLang="en-US" dirty="0" smtClean="0"/>
-              <a:t>能从实验中学到什么</a:t>
+              <a:t>能从实验中学到</a:t>
+            </a:r>
+            <a:r>
+              <a:rPr lang="zh-CN" altLang="en-US" dirty="0" smtClean="0"/>
+              <a:t>什么</a:t>
+            </a:r>
+            <a:endParaRPr lang="en-US" altLang="zh-CN" dirty="0" smtClean="0"/>
+          </a:p>
+          <a:p>
+            <a:pPr marL="0" indent="0">
+              <a:buNone/>
+            </a:pPr>
+            <a:endParaRPr lang="en-US" altLang="zh-CN" dirty="0"/>
+          </a:p>
+          <a:p>
+            <a:pPr marL="0" indent="0">
+              <a:buNone/>
+            </a:pPr>
+            <a:r>
+              <a:rPr lang="zh-CN" altLang="en-US" dirty="0" smtClean="0"/>
+              <a:t>新的实验检查方式（</a:t>
+            </a:r>
+            <a:r>
+              <a:rPr lang="zh-CN" altLang="en-US" dirty="0" smtClean="0"/>
+              <a:t>见</a:t>
+            </a:r>
+            <a:r>
+              <a:rPr lang="en-US" altLang="zh-CN" dirty="0" smtClean="0"/>
+              <a:t>ppt7</a:t>
+            </a:r>
+            <a:r>
+              <a:rPr lang="zh-CN" altLang="en-US" dirty="0" smtClean="0"/>
+              <a:t>）</a:t>
             </a:r>
             <a:endParaRPr lang="en-US" altLang="zh-CN" dirty="0" smtClean="0"/>
           </a:p>
@@ -4537,6 +4705,50 @@
           </a:prstGeom>
         </p:spPr>
       </p:pic>
+      <p:sp>
+        <p:nvSpPr>
+          <p:cNvPr id="5" name="椭圆 4"/>
+          <p:cNvSpPr/>
+          <p:nvPr/>
+        </p:nvSpPr>
+        <p:spPr>
+          <a:xfrm>
+            <a:off x="8187005" y="365125"/>
+            <a:ext cx="1493023" cy="882869"/>
+          </a:xfrm>
+          <a:prstGeom prst="ellipse">
+            <a:avLst/>
+          </a:prstGeom>
+        </p:spPr>
+        <p:style>
+          <a:lnRef idx="2">
+            <a:schemeClr val="accent1">
+              <a:shade val="50000"/>
+            </a:schemeClr>
+          </a:lnRef>
+          <a:fillRef idx="1">
+            <a:schemeClr val="accent1"/>
+          </a:fillRef>
+          <a:effectRef idx="0">
+            <a:schemeClr val="accent1"/>
+          </a:effectRef>
+          <a:fontRef idx="minor">
+            <a:schemeClr val="lt1"/>
+          </a:fontRef>
+        </p:style>
+        <p:txBody>
+          <a:bodyPr rtlCol="0" anchor="ctr"/>
+          <a:lstStyle/>
+          <a:p>
+            <a:pPr algn="ctr"/>
+            <a:r>
+              <a:rPr lang="en-US" altLang="zh-CN" sz="2800" dirty="0" smtClean="0"/>
+              <a:t>Step5</a:t>
+            </a:r>
+            <a:endParaRPr lang="zh-CN" altLang="en-US" sz="2800" dirty="0"/>
+          </a:p>
+        </p:txBody>
+      </p:sp>
     </p:spTree>
     <p:extLst>
       <p:ext uri="{BB962C8B-B14F-4D97-AF65-F5344CB8AC3E}">
@@ -4617,6 +4829,30 @@
           </a:p>
         </p:txBody>
       </p:sp>
+      <p:pic>
+        <p:nvPicPr>
+          <p:cNvPr id="4" name="图片 3"/>
+          <p:cNvPicPr>
+            <a:picLocks noChangeAspect="1"/>
+          </p:cNvPicPr>
+          <p:nvPr/>
+        </p:nvPicPr>
+        <p:blipFill>
+          <a:blip r:embed="rId2"/>
+          <a:stretch>
+            <a:fillRect/>
+          </a:stretch>
+        </p:blipFill>
+        <p:spPr>
+          <a:xfrm>
+            <a:off x="553763" y="1690688"/>
+            <a:ext cx="12299096" cy="3396319"/>
+          </a:xfrm>
+          <a:prstGeom prst="rect">
+            <a:avLst/>
+          </a:prstGeom>
+        </p:spPr>
+      </p:pic>
     </p:spTree>
     <p:extLst>
       <p:ext uri="{BB962C8B-B14F-4D97-AF65-F5344CB8AC3E}">
@@ -4713,6 +4949,50 @@
           </a:prstGeom>
         </p:spPr>
       </p:pic>
+      <p:sp>
+        <p:nvSpPr>
+          <p:cNvPr id="5" name="椭圆 4"/>
+          <p:cNvSpPr/>
+          <p:nvPr/>
+        </p:nvSpPr>
+        <p:spPr>
+          <a:xfrm>
+            <a:off x="8439253" y="433853"/>
+            <a:ext cx="1493023" cy="882869"/>
+          </a:xfrm>
+          <a:prstGeom prst="ellipse">
+            <a:avLst/>
+          </a:prstGeom>
+        </p:spPr>
+        <p:style>
+          <a:lnRef idx="2">
+            <a:schemeClr val="accent1">
+              <a:shade val="50000"/>
+            </a:schemeClr>
+          </a:lnRef>
+          <a:fillRef idx="1">
+            <a:schemeClr val="accent1"/>
+          </a:fillRef>
+          <a:effectRef idx="0">
+            <a:schemeClr val="accent1"/>
+          </a:effectRef>
+          <a:fontRef idx="minor">
+            <a:schemeClr val="lt1"/>
+          </a:fontRef>
+        </p:style>
+        <p:txBody>
+          <a:bodyPr rtlCol="0" anchor="ctr"/>
+          <a:lstStyle/>
+          <a:p>
+            <a:pPr algn="ctr"/>
+            <a:r>
+              <a:rPr lang="en-US" altLang="zh-CN" sz="2800" dirty="0" smtClean="0"/>
+              <a:t>Step6</a:t>
+            </a:r>
+            <a:endParaRPr lang="zh-CN" altLang="en-US" sz="2800" dirty="0"/>
+          </a:p>
+        </p:txBody>
+      </p:sp>
     </p:spTree>
     <p:extLst>
       <p:ext uri="{BB962C8B-B14F-4D97-AF65-F5344CB8AC3E}">
@@ -4833,7 +5113,6 @@
               <a:rPr lang="en-US" altLang="zh-CN" dirty="0" smtClean="0"/>
               <a:t>(DEBUG2)</a:t>
             </a:r>
-            <a:endParaRPr lang="en-US" altLang="zh-CN" dirty="0" smtClean="0"/>
           </a:p>
           <a:p>
             <a:r>
@@ -4856,7 +5135,6 @@
               <a:rPr lang="en-US" altLang="zh-CN" dirty="0" smtClean="0"/>
               <a:t>(DEBUG3)</a:t>
             </a:r>
-            <a:endParaRPr lang="en-US" altLang="zh-CN" dirty="0" smtClean="0"/>
           </a:p>
           <a:p>
             <a:r>
@@ -4879,7 +5157,6 @@
               <a:rPr lang="en-US" altLang="zh-CN" dirty="0" smtClean="0"/>
               <a:t> (DEBUG4)</a:t>
             </a:r>
-            <a:endParaRPr lang="en-US" altLang="zh-CN" dirty="0" smtClean="0"/>
           </a:p>
           <a:p>
             <a:r>
@@ -4907,13 +5184,232 @@
               <a:t>后的正在执行的进程和等待队列中的状态</a:t>
             </a:r>
             <a:r>
-              <a:rPr lang="en-US" altLang="zh-CN" smtClean="0"/>
+              <a:rPr lang="en-US" altLang="zh-CN" dirty="0" smtClean="0"/>
               <a:t>(DEBUG5)</a:t>
             </a:r>
-            <a:endParaRPr lang="en-US" altLang="zh-CN" dirty="0" smtClean="0"/>
           </a:p>
           <a:p>
             <a:endParaRPr lang="zh-CN" altLang="en-US" dirty="0"/>
+          </a:p>
+        </p:txBody>
+      </p:sp>
+      <p:sp>
+        <p:nvSpPr>
+          <p:cNvPr id="4" name="椭圆 3"/>
+          <p:cNvSpPr/>
+          <p:nvPr/>
+        </p:nvSpPr>
+        <p:spPr>
+          <a:xfrm>
+            <a:off x="-158209" y="1173984"/>
+            <a:ext cx="1493023" cy="882869"/>
+          </a:xfrm>
+          <a:prstGeom prst="ellipse">
+            <a:avLst/>
+          </a:prstGeom>
+        </p:spPr>
+        <p:style>
+          <a:lnRef idx="2">
+            <a:schemeClr val="accent1">
+              <a:shade val="50000"/>
+            </a:schemeClr>
+          </a:lnRef>
+          <a:fillRef idx="1">
+            <a:schemeClr val="accent1"/>
+          </a:fillRef>
+          <a:effectRef idx="0">
+            <a:schemeClr val="accent1"/>
+          </a:effectRef>
+          <a:fontRef idx="minor">
+            <a:schemeClr val="lt1"/>
+          </a:fontRef>
+        </p:style>
+        <p:txBody>
+          <a:bodyPr rtlCol="0" anchor="ctr"/>
+          <a:lstStyle/>
+          <a:p>
+            <a:pPr algn="ctr"/>
+            <a:r>
+              <a:rPr lang="en-US" altLang="zh-CN" sz="2800" dirty="0" smtClean="0"/>
+              <a:t>Step7</a:t>
+            </a:r>
+            <a:endParaRPr lang="zh-CN" altLang="en-US" sz="2800" dirty="0"/>
+          </a:p>
+        </p:txBody>
+      </p:sp>
+      <p:sp>
+        <p:nvSpPr>
+          <p:cNvPr id="5" name="椭圆 4"/>
+          <p:cNvSpPr/>
+          <p:nvPr/>
+        </p:nvSpPr>
+        <p:spPr>
+          <a:xfrm>
+            <a:off x="-263035" y="2191790"/>
+            <a:ext cx="1493023" cy="882869"/>
+          </a:xfrm>
+          <a:prstGeom prst="ellipse">
+            <a:avLst/>
+          </a:prstGeom>
+        </p:spPr>
+        <p:style>
+          <a:lnRef idx="2">
+            <a:schemeClr val="accent1">
+              <a:shade val="50000"/>
+            </a:schemeClr>
+          </a:lnRef>
+          <a:fillRef idx="1">
+            <a:schemeClr val="accent1"/>
+          </a:fillRef>
+          <a:effectRef idx="0">
+            <a:schemeClr val="accent1"/>
+          </a:effectRef>
+          <a:fontRef idx="minor">
+            <a:schemeClr val="lt1"/>
+          </a:fontRef>
+        </p:style>
+        <p:txBody>
+          <a:bodyPr rtlCol="0" anchor="ctr"/>
+          <a:lstStyle/>
+          <a:p>
+            <a:pPr algn="ctr"/>
+            <a:r>
+              <a:rPr lang="en-US" altLang="zh-CN" sz="2800" dirty="0" smtClean="0"/>
+              <a:t>Step8</a:t>
+            </a:r>
+            <a:endParaRPr lang="zh-CN" altLang="en-US" sz="2800" dirty="0"/>
+          </a:p>
+        </p:txBody>
+      </p:sp>
+      <p:sp>
+        <p:nvSpPr>
+          <p:cNvPr id="6" name="椭圆 5"/>
+          <p:cNvSpPr/>
+          <p:nvPr/>
+        </p:nvSpPr>
+        <p:spPr>
+          <a:xfrm>
+            <a:off x="-458929" y="3074659"/>
+            <a:ext cx="1493023" cy="882869"/>
+          </a:xfrm>
+          <a:prstGeom prst="ellipse">
+            <a:avLst/>
+          </a:prstGeom>
+        </p:spPr>
+        <p:style>
+          <a:lnRef idx="2">
+            <a:schemeClr val="accent1">
+              <a:shade val="50000"/>
+            </a:schemeClr>
+          </a:lnRef>
+          <a:fillRef idx="1">
+            <a:schemeClr val="accent1"/>
+          </a:fillRef>
+          <a:effectRef idx="0">
+            <a:schemeClr val="accent1"/>
+          </a:effectRef>
+          <a:fontRef idx="minor">
+            <a:schemeClr val="lt1"/>
+          </a:fontRef>
+        </p:style>
+        <p:txBody>
+          <a:bodyPr rtlCol="0" anchor="ctr"/>
+          <a:lstStyle/>
+          <a:p>
+            <a:pPr algn="ctr"/>
+            <a:r>
+              <a:rPr lang="en-US" altLang="zh-CN" sz="2800" dirty="0" smtClean="0"/>
+              <a:t>Step9</a:t>
+            </a:r>
+            <a:endParaRPr lang="zh-CN" altLang="en-US" sz="2800" dirty="0"/>
+          </a:p>
+        </p:txBody>
+      </p:sp>
+      <p:sp>
+        <p:nvSpPr>
+          <p:cNvPr id="7" name="椭圆 6"/>
+          <p:cNvSpPr/>
+          <p:nvPr/>
+        </p:nvSpPr>
+        <p:spPr>
+          <a:xfrm>
+            <a:off x="-406516" y="3963274"/>
+            <a:ext cx="1493023" cy="882869"/>
+          </a:xfrm>
+          <a:prstGeom prst="ellipse">
+            <a:avLst/>
+          </a:prstGeom>
+        </p:spPr>
+        <p:style>
+          <a:lnRef idx="2">
+            <a:schemeClr val="accent1">
+              <a:shade val="50000"/>
+            </a:schemeClr>
+          </a:lnRef>
+          <a:fillRef idx="1">
+            <a:schemeClr val="accent1"/>
+          </a:fillRef>
+          <a:effectRef idx="0">
+            <a:schemeClr val="accent1"/>
+          </a:effectRef>
+          <a:fontRef idx="minor">
+            <a:schemeClr val="lt1"/>
+          </a:fontRef>
+        </p:style>
+        <p:txBody>
+          <a:bodyPr rtlCol="0" anchor="ctr"/>
+          <a:lstStyle/>
+          <a:p>
+            <a:pPr algn="ctr"/>
+            <a:r>
+              <a:rPr lang="en-US" altLang="zh-CN" sz="2800" dirty="0" smtClean="0"/>
+              <a:t>Step10</a:t>
+            </a:r>
+            <a:endParaRPr lang="zh-CN" altLang="en-US" sz="2800" dirty="0"/>
+          </a:p>
+        </p:txBody>
+      </p:sp>
+      <p:sp>
+        <p:nvSpPr>
+          <p:cNvPr id="8" name="椭圆 7"/>
+          <p:cNvSpPr/>
+          <p:nvPr/>
+        </p:nvSpPr>
+        <p:spPr>
+          <a:xfrm>
+            <a:off x="-406516" y="4851889"/>
+            <a:ext cx="1493023" cy="882869"/>
+          </a:xfrm>
+          <a:prstGeom prst="ellipse">
+            <a:avLst/>
+          </a:prstGeom>
+        </p:spPr>
+        <p:style>
+          <a:lnRef idx="2">
+            <a:schemeClr val="accent1">
+              <a:shade val="50000"/>
+            </a:schemeClr>
+          </a:lnRef>
+          <a:fillRef idx="1">
+            <a:schemeClr val="accent1"/>
+          </a:fillRef>
+          <a:effectRef idx="0">
+            <a:schemeClr val="accent1"/>
+          </a:effectRef>
+          <a:fontRef idx="minor">
+            <a:schemeClr val="lt1"/>
+          </a:fontRef>
+        </p:style>
+        <p:txBody>
+          <a:bodyPr rtlCol="0" anchor="ctr"/>
+          <a:lstStyle/>
+          <a:p>
+            <a:pPr algn="ctr"/>
+            <a:r>
+              <a:rPr lang="en-US" altLang="zh-CN" sz="2800" dirty="0" smtClean="0"/>
+              <a:t>Step11</a:t>
+            </a:r>
+            <a:endParaRPr lang="zh-CN" altLang="en-US" sz="2800" dirty="0"/>
           </a:p>
         </p:txBody>
       </p:sp>
@@ -5361,7 +5857,7 @@
           <a:bodyPr/>
           <a:lstStyle/>
           <a:p>
-            <a:endParaRPr lang="zh-CN" altLang="en-US"/>
+            <a:endParaRPr lang="zh-CN" altLang="en-US" dirty="0"/>
           </a:p>
         </p:txBody>
       </p:sp>
@@ -5389,6 +5885,343 @@
           </a:prstGeom>
         </p:spPr>
       </p:pic>
+      <p:sp>
+        <p:nvSpPr>
+          <p:cNvPr id="5" name="矩形 4"/>
+          <p:cNvSpPr/>
+          <p:nvPr/>
+        </p:nvSpPr>
+        <p:spPr>
+          <a:xfrm>
+            <a:off x="-347851" y="4454689"/>
+            <a:ext cx="12594666" cy="2585323"/>
+          </a:xfrm>
+          <a:prstGeom prst="rect">
+            <a:avLst/>
+          </a:prstGeom>
+          <a:noFill/>
+        </p:spPr>
+        <p:txBody>
+          <a:bodyPr wrap="none" lIns="91440" tIns="45720" rIns="91440" bIns="45720">
+            <a:spAutoFit/>
+          </a:bodyPr>
+          <a:lstStyle/>
+          <a:p>
+            <a:pPr algn="ctr"/>
+            <a:r>
+              <a:rPr lang="zh-CN" altLang="en-US" sz="5400" b="1" cap="none" spc="0" dirty="0" smtClean="0">
+                <a:ln w="22225">
+                  <a:solidFill>
+                    <a:schemeClr val="accent2"/>
+                  </a:solidFill>
+                  <a:prstDash val="solid"/>
+                </a:ln>
+                <a:solidFill>
+                  <a:schemeClr val="accent2">
+                    <a:lumMod val="40000"/>
+                    <a:lumOff val="60000"/>
+                  </a:schemeClr>
+                </a:solidFill>
+                <a:effectLst/>
+              </a:rPr>
+              <a:t>看到</a:t>
+            </a:r>
+            <a:r>
+              <a:rPr lang="en-US" altLang="zh-CN" sz="5400" b="1" cap="none" spc="0" dirty="0" smtClean="0">
+                <a:ln w="22225">
+                  <a:solidFill>
+                    <a:schemeClr val="accent2"/>
+                  </a:solidFill>
+                  <a:prstDash val="solid"/>
+                </a:ln>
+                <a:solidFill>
+                  <a:schemeClr val="accent2">
+                    <a:lumMod val="40000"/>
+                    <a:lumOff val="60000"/>
+                  </a:schemeClr>
+                </a:solidFill>
+                <a:effectLst/>
+              </a:rPr>
+              <a:t>Step</a:t>
+            </a:r>
+            <a:r>
+              <a:rPr lang="zh-CN" altLang="en-US" sz="5400" b="1" cap="none" spc="0" dirty="0" smtClean="0">
+                <a:ln w="22225">
+                  <a:solidFill>
+                    <a:schemeClr val="accent2"/>
+                  </a:solidFill>
+                  <a:prstDash val="solid"/>
+                </a:ln>
+                <a:solidFill>
+                  <a:schemeClr val="accent2">
+                    <a:lumMod val="40000"/>
+                    <a:lumOff val="60000"/>
+                  </a:schemeClr>
+                </a:solidFill>
+                <a:effectLst/>
+              </a:rPr>
+              <a:t>的圆圈为检查点，在完成此步后</a:t>
+            </a:r>
+            <a:endParaRPr lang="en-US" altLang="zh-CN" sz="5400" b="1" cap="none" spc="0" dirty="0" smtClean="0">
+              <a:ln w="22225">
+                <a:solidFill>
+                  <a:schemeClr val="accent2"/>
+                </a:solidFill>
+                <a:prstDash val="solid"/>
+              </a:ln>
+              <a:solidFill>
+                <a:schemeClr val="accent2">
+                  <a:lumMod val="40000"/>
+                  <a:lumOff val="60000"/>
+                </a:schemeClr>
+              </a:solidFill>
+              <a:effectLst/>
+            </a:endParaRPr>
+          </a:p>
+          <a:p>
+            <a:pPr algn="ctr"/>
+            <a:r>
+              <a:rPr lang="zh-CN" altLang="en-US" sz="5400" b="1" dirty="0">
+                <a:ln w="22225">
+                  <a:solidFill>
+                    <a:schemeClr val="accent2"/>
+                  </a:solidFill>
+                  <a:prstDash val="solid"/>
+                </a:ln>
+                <a:solidFill>
+                  <a:schemeClr val="accent2">
+                    <a:lumMod val="40000"/>
+                    <a:lumOff val="60000"/>
+                  </a:schemeClr>
+                </a:solidFill>
+              </a:rPr>
+              <a:t>终端</a:t>
+            </a:r>
+            <a:r>
+              <a:rPr lang="zh-CN" altLang="en-US" sz="5400" b="1" cap="none" spc="0" dirty="0" smtClean="0">
+                <a:ln w="22225">
+                  <a:solidFill>
+                    <a:schemeClr val="accent2"/>
+                  </a:solidFill>
+                  <a:prstDash val="solid"/>
+                </a:ln>
+                <a:solidFill>
+                  <a:schemeClr val="accent2">
+                    <a:lumMod val="40000"/>
+                    <a:lumOff val="60000"/>
+                  </a:schemeClr>
+                </a:solidFill>
+                <a:effectLst/>
+              </a:rPr>
+              <a:t>输入</a:t>
+            </a:r>
+            <a:r>
+              <a:rPr lang="en-US" altLang="zh-CN" sz="5400" b="1" cap="none" spc="0" dirty="0" err="1" smtClean="0">
+                <a:ln w="22225">
+                  <a:solidFill>
+                    <a:schemeClr val="accent2"/>
+                  </a:solidFill>
+                  <a:prstDash val="solid"/>
+                </a:ln>
+                <a:solidFill>
+                  <a:schemeClr val="accent2">
+                    <a:lumMod val="40000"/>
+                    <a:lumOff val="60000"/>
+                  </a:schemeClr>
+                </a:solidFill>
+                <a:effectLst/>
+              </a:rPr>
+              <a:t>git</a:t>
+            </a:r>
+            <a:r>
+              <a:rPr lang="en-US" altLang="zh-CN" sz="5400" b="1" cap="none" spc="0" dirty="0" smtClean="0">
+                <a:ln w="22225">
+                  <a:solidFill>
+                    <a:schemeClr val="accent2"/>
+                  </a:solidFill>
+                  <a:prstDash val="solid"/>
+                </a:ln>
+                <a:solidFill>
+                  <a:schemeClr val="accent2">
+                    <a:lumMod val="40000"/>
+                    <a:lumOff val="60000"/>
+                  </a:schemeClr>
+                </a:solidFill>
+                <a:effectLst/>
+              </a:rPr>
+              <a:t> commit –m “</a:t>
+            </a:r>
+            <a:r>
+              <a:rPr lang="zh-CN" altLang="en-US" sz="5400" b="1" dirty="0" smtClean="0">
+                <a:ln w="22225">
+                  <a:solidFill>
+                    <a:schemeClr val="accent2"/>
+                  </a:solidFill>
+                  <a:prstDash val="solid"/>
+                </a:ln>
+                <a:solidFill>
+                  <a:schemeClr val="accent2">
+                    <a:lumMod val="40000"/>
+                    <a:lumOff val="60000"/>
+                  </a:schemeClr>
+                </a:solidFill>
+              </a:rPr>
+              <a:t>学号</a:t>
+            </a:r>
+            <a:r>
+              <a:rPr lang="en-US" altLang="zh-CN" sz="5400" b="1" cap="none" spc="0" dirty="0" smtClean="0">
+                <a:ln w="22225">
+                  <a:solidFill>
+                    <a:schemeClr val="accent2"/>
+                  </a:solidFill>
+                  <a:prstDash val="solid"/>
+                </a:ln>
+                <a:solidFill>
+                  <a:schemeClr val="accent2">
+                    <a:lumMod val="40000"/>
+                    <a:lumOff val="60000"/>
+                  </a:schemeClr>
+                </a:solidFill>
+                <a:effectLst/>
+              </a:rPr>
+              <a:t>+</a:t>
+            </a:r>
+            <a:r>
+              <a:rPr lang="en-US" altLang="zh-CN" sz="5400" b="1" cap="none" spc="0" dirty="0" err="1" smtClean="0">
+                <a:ln w="22225">
+                  <a:solidFill>
+                    <a:schemeClr val="accent2"/>
+                  </a:solidFill>
+                  <a:prstDash val="solid"/>
+                </a:ln>
+                <a:solidFill>
+                  <a:schemeClr val="accent2">
+                    <a:lumMod val="40000"/>
+                    <a:lumOff val="60000"/>
+                  </a:schemeClr>
+                </a:solidFill>
+                <a:effectLst/>
+              </a:rPr>
+              <a:t>StepX</a:t>
+            </a:r>
+            <a:r>
+              <a:rPr lang="en-US" altLang="zh-CN" sz="5400" b="1" cap="none" spc="0" dirty="0" smtClean="0">
+                <a:ln w="22225">
+                  <a:solidFill>
+                    <a:schemeClr val="accent2"/>
+                  </a:solidFill>
+                  <a:prstDash val="solid"/>
+                </a:ln>
+                <a:solidFill>
+                  <a:schemeClr val="accent2">
+                    <a:lumMod val="40000"/>
+                    <a:lumOff val="60000"/>
+                  </a:schemeClr>
+                </a:solidFill>
+                <a:effectLst/>
+              </a:rPr>
+              <a:t>”</a:t>
+            </a:r>
+          </a:p>
+          <a:p>
+            <a:pPr algn="ctr"/>
+            <a:r>
+              <a:rPr lang="zh-CN" altLang="en-US" sz="5400" b="1" cap="none" spc="0" dirty="0" smtClean="0">
+                <a:ln w="22225">
+                  <a:solidFill>
+                    <a:schemeClr val="accent2"/>
+                  </a:solidFill>
+                  <a:prstDash val="solid"/>
+                </a:ln>
+                <a:solidFill>
+                  <a:schemeClr val="accent2">
+                    <a:lumMod val="40000"/>
+                    <a:lumOff val="60000"/>
+                  </a:schemeClr>
+                </a:solidFill>
+                <a:effectLst/>
+              </a:rPr>
+              <a:t>等提交作业的时候直接打包</a:t>
+            </a:r>
+            <a:r>
+              <a:rPr lang="zh-CN" altLang="en-US" sz="5400" b="1" dirty="0" smtClean="0">
+                <a:ln w="22225">
+                  <a:solidFill>
+                    <a:schemeClr val="accent2"/>
+                  </a:solidFill>
+                  <a:prstDash val="solid"/>
+                </a:ln>
+                <a:solidFill>
+                  <a:schemeClr val="accent2">
+                    <a:lumMod val="40000"/>
+                    <a:lumOff val="60000"/>
+                  </a:schemeClr>
+                </a:solidFill>
+              </a:rPr>
+              <a:t>此文件夹</a:t>
+            </a:r>
+            <a:endParaRPr lang="zh-CN" altLang="en-US" sz="5400" b="1" cap="none" spc="0" dirty="0">
+              <a:ln w="22225">
+                <a:solidFill>
+                  <a:schemeClr val="accent2"/>
+                </a:solidFill>
+                <a:prstDash val="solid"/>
+              </a:ln>
+              <a:solidFill>
+                <a:schemeClr val="accent2">
+                  <a:lumMod val="40000"/>
+                  <a:lumOff val="60000"/>
+                </a:schemeClr>
+              </a:solidFill>
+              <a:effectLst/>
+            </a:endParaRPr>
+          </a:p>
+        </p:txBody>
+      </p:sp>
+      <p:sp>
+        <p:nvSpPr>
+          <p:cNvPr id="6" name="椭圆 5"/>
+          <p:cNvSpPr/>
+          <p:nvPr/>
+        </p:nvSpPr>
+        <p:spPr>
+          <a:xfrm>
+            <a:off x="325267" y="725213"/>
+            <a:ext cx="1493023" cy="882869"/>
+          </a:xfrm>
+          <a:prstGeom prst="ellipse">
+            <a:avLst/>
+          </a:prstGeom>
+        </p:spPr>
+        <p:style>
+          <a:lnRef idx="2">
+            <a:schemeClr val="accent1">
+              <a:shade val="50000"/>
+            </a:schemeClr>
+          </a:lnRef>
+          <a:fillRef idx="1">
+            <a:schemeClr val="accent1"/>
+          </a:fillRef>
+          <a:effectRef idx="0">
+            <a:schemeClr val="accent1"/>
+          </a:effectRef>
+          <a:fontRef idx="minor">
+            <a:schemeClr val="lt1"/>
+          </a:fontRef>
+        </p:style>
+        <p:txBody>
+          <a:bodyPr rtlCol="0" anchor="ctr"/>
+          <a:lstStyle/>
+          <a:p>
+            <a:pPr algn="ctr"/>
+            <a:r>
+              <a:rPr lang="en-US" altLang="zh-CN" sz="2800" dirty="0" smtClean="0"/>
+              <a:t>Step1</a:t>
+            </a:r>
+            <a:endParaRPr lang="zh-CN" altLang="en-US" sz="2800" dirty="0"/>
+          </a:p>
+        </p:txBody>
+      </p:sp>
     </p:spTree>
     <p:extLst>
       <p:ext uri="{BB962C8B-B14F-4D97-AF65-F5344CB8AC3E}">
